--- a/Notes/HST 103_T2.pptx
+++ b/Notes/HST 103_T2.pptx
@@ -6379,7 +6379,7 @@
           <a:p>
             <a:fld id="{195D72BD-19E3-48F9-B345-202E886ADAB2}" type="datetimeFigureOut">
               <a:rPr lang="en-US" smtClean="0"/>
-              <a:t>07-Jul-25</a:t>
+              <a:t>23-Jul-25</a:t>
             </a:fld>
             <a:endParaRPr lang="en-US"/>
           </a:p>
@@ -6954,7 +6954,7 @@
           <a:p>
             <a:fld id="{2B79540F-A09C-4FBB-A50D-FDF6FACF6E5E}" type="datetimeFigureOut">
               <a:rPr lang="en-US" smtClean="0"/>
-              <a:t>07-Jul-25</a:t>
+              <a:t>23-Jul-25</a:t>
             </a:fld>
             <a:endParaRPr lang="en-US"/>
           </a:p>
@@ -7122,7 +7122,7 @@
           <a:p>
             <a:fld id="{2B79540F-A09C-4FBB-A50D-FDF6FACF6E5E}" type="datetimeFigureOut">
               <a:rPr lang="en-US" smtClean="0"/>
-              <a:t>07-Jul-25</a:t>
+              <a:t>23-Jul-25</a:t>
             </a:fld>
             <a:endParaRPr lang="en-US"/>
           </a:p>
@@ -7300,7 +7300,7 @@
           <a:p>
             <a:fld id="{2B79540F-A09C-4FBB-A50D-FDF6FACF6E5E}" type="datetimeFigureOut">
               <a:rPr lang="en-US" smtClean="0"/>
-              <a:t>07-Jul-25</a:t>
+              <a:t>23-Jul-25</a:t>
             </a:fld>
             <a:endParaRPr lang="en-US"/>
           </a:p>
@@ -7468,7 +7468,7 @@
           <a:p>
             <a:fld id="{2B79540F-A09C-4FBB-A50D-FDF6FACF6E5E}" type="datetimeFigureOut">
               <a:rPr lang="en-US" smtClean="0"/>
-              <a:t>07-Jul-25</a:t>
+              <a:t>23-Jul-25</a:t>
             </a:fld>
             <a:endParaRPr lang="en-US"/>
           </a:p>
@@ -7713,7 +7713,7 @@
           <a:p>
             <a:fld id="{2B79540F-A09C-4FBB-A50D-FDF6FACF6E5E}" type="datetimeFigureOut">
               <a:rPr lang="en-US" smtClean="0"/>
-              <a:t>07-Jul-25</a:t>
+              <a:t>23-Jul-25</a:t>
             </a:fld>
             <a:endParaRPr lang="en-US"/>
           </a:p>
@@ -7942,7 +7942,7 @@
           <a:p>
             <a:fld id="{2B79540F-A09C-4FBB-A50D-FDF6FACF6E5E}" type="datetimeFigureOut">
               <a:rPr lang="en-US" smtClean="0"/>
-              <a:t>07-Jul-25</a:t>
+              <a:t>23-Jul-25</a:t>
             </a:fld>
             <a:endParaRPr lang="en-US"/>
           </a:p>
@@ -8306,7 +8306,7 @@
           <a:p>
             <a:fld id="{2B79540F-A09C-4FBB-A50D-FDF6FACF6E5E}" type="datetimeFigureOut">
               <a:rPr lang="en-US" smtClean="0"/>
-              <a:t>07-Jul-25</a:t>
+              <a:t>23-Jul-25</a:t>
             </a:fld>
             <a:endParaRPr lang="en-US"/>
           </a:p>
@@ -8423,7 +8423,7 @@
           <a:p>
             <a:fld id="{2B79540F-A09C-4FBB-A50D-FDF6FACF6E5E}" type="datetimeFigureOut">
               <a:rPr lang="en-US" smtClean="0"/>
-              <a:t>07-Jul-25</a:t>
+              <a:t>23-Jul-25</a:t>
             </a:fld>
             <a:endParaRPr lang="en-US"/>
           </a:p>
@@ -8518,7 +8518,7 @@
           <a:p>
             <a:fld id="{2B79540F-A09C-4FBB-A50D-FDF6FACF6E5E}" type="datetimeFigureOut">
               <a:rPr lang="en-US" smtClean="0"/>
-              <a:t>07-Jul-25</a:t>
+              <a:t>23-Jul-25</a:t>
             </a:fld>
             <a:endParaRPr lang="en-US"/>
           </a:p>
@@ -8793,7 +8793,7 @@
           <a:p>
             <a:fld id="{2B79540F-A09C-4FBB-A50D-FDF6FACF6E5E}" type="datetimeFigureOut">
               <a:rPr lang="en-US" smtClean="0"/>
-              <a:t>07-Jul-25</a:t>
+              <a:t>23-Jul-25</a:t>
             </a:fld>
             <a:endParaRPr lang="en-US"/>
           </a:p>
@@ -9045,7 +9045,7 @@
           <a:p>
             <a:fld id="{2B79540F-A09C-4FBB-A50D-FDF6FACF6E5E}" type="datetimeFigureOut">
               <a:rPr lang="en-US" smtClean="0"/>
-              <a:t>07-Jul-25</a:t>
+              <a:t>23-Jul-25</a:t>
             </a:fld>
             <a:endParaRPr lang="en-US"/>
           </a:p>
@@ -9256,7 +9256,7 @@
           <a:p>
             <a:fld id="{2B79540F-A09C-4FBB-A50D-FDF6FACF6E5E}" type="datetimeFigureOut">
               <a:rPr lang="en-US" smtClean="0"/>
-              <a:t>07-Jul-25</a:t>
+              <a:t>23-Jul-25</a:t>
             </a:fld>
             <a:endParaRPr lang="en-US"/>
           </a:p>
@@ -9671,10 +9671,10 @@
       </p:grpSpPr>
       <p:sp useBgFill="1">
         <p:nvSpPr>
-          <p:cNvPr id="18" name="Rectangle 17">
+          <p:cNvPr id="23" name="Rectangle 22">
             <a:extLst>
               <a:ext uri="{FF2B5EF4-FFF2-40B4-BE49-F238E27FC236}">
-                <a16:creationId xmlns:a16="http://schemas.microsoft.com/office/drawing/2014/main" id="{A3E8498D-DA8F-EF6C-5420-F153D4979209}"/>
+                <a16:creationId xmlns:a16="http://schemas.microsoft.com/office/drawing/2014/main" id="{FFD48BC7-DC40-47DE-87EE-9F4B6ECB9ABB}"/>
               </a:ext>
               <a:ext uri="{C183D7F6-B498-43B3-948B-1728B52AA6E4}">
                 <adec:decorative xmlns:adec="http://schemas.microsoft.com/office/drawing/2017/decorative" val="1"/>
@@ -9700,30 +9700,14 @@
           <a:prstGeom prst="rect">
             <a:avLst/>
           </a:prstGeom>
-          <a:ln w="12700" cap="flat" cmpd="sng" algn="ctr">
+          <a:ln>
             <a:noFill/>
-            <a:prstDash val="solid"/>
-            <a:miter lim="800000"/>
           </a:ln>
-          <a:effectLst/>
-          <a:extLst>
-            <a:ext uri="{91240B29-F687-4F45-9708-019B960494DF}">
-              <a14:hiddenLine xmlns:a14="http://schemas.microsoft.com/office/drawing/2010/main" w="12700" cap="flat" cmpd="sng" algn="ctr">
-                <a:solidFill>
-                  <a:schemeClr val="accent1">
-                    <a:shade val="15000"/>
-                  </a:schemeClr>
-                </a:solidFill>
-                <a:prstDash val="solid"/>
-                <a:miter lim="800000"/>
-              </a14:hiddenLine>
-            </a:ext>
-          </a:extLst>
         </p:spPr>
         <p:style>
           <a:lnRef idx="2">
             <a:schemeClr val="accent1">
-              <a:shade val="15000"/>
+              <a:shade val="50000"/>
             </a:schemeClr>
           </a:lnRef>
           <a:fillRef idx="1">
@@ -9741,7 +9725,398 @@
           <a:lstStyle/>
           <a:p>
             <a:pPr algn="ctr"/>
-            <a:endParaRPr lang="en-US" dirty="0"/>
+            <a:endParaRPr lang="en-US"/>
+          </a:p>
+        </p:txBody>
+      </p:sp>
+      <p:sp useBgFill="1">
+        <p:nvSpPr>
+          <p:cNvPr id="25" name="Freeform: Shape 24">
+            <a:extLst>
+              <a:ext uri="{FF2B5EF4-FFF2-40B4-BE49-F238E27FC236}">
+                <a16:creationId xmlns:a16="http://schemas.microsoft.com/office/drawing/2014/main" id="{E502BBC7-2C76-46F3-BC24-5985BC13DB88}"/>
+              </a:ext>
+              <a:ext uri="{C183D7F6-B498-43B3-948B-1728B52AA6E4}">
+                <adec:decorative xmlns:adec="http://schemas.microsoft.com/office/drawing/2017/decorative" val="1"/>
+              </a:ext>
+            </a:extLst>
+          </p:cNvPr>
+          <p:cNvSpPr>
+            <a:spLocks noGrp="1" noRot="1" noChangeAspect="1" noMove="1" noResize="1" noEditPoints="1" noAdjustHandles="1" noChangeArrowheads="1" noChangeShapeType="1" noTextEdit="1"/>
+          </p:cNvSpPr>
+          <p:nvPr>
+            <p:extLst>
+              <p:ext uri="{386F3935-93C4-4BCD-93E2-E3B085C9AB24}">
+                <p16:designElem xmlns:p16="http://schemas.microsoft.com/office/powerpoint/2015/main" val="1"/>
+              </p:ext>
+            </p:extLst>
+          </p:nvPr>
+        </p:nvSpPr>
+        <p:spPr>
+          <a:xfrm>
+            <a:off x="1114425" y="0"/>
+            <a:ext cx="9963150" cy="6858000"/>
+          </a:xfrm>
+          <a:custGeom>
+            <a:avLst/>
+            <a:gdLst>
+              <a:gd name="connsiteX0" fmla="*/ 1595771 w 9963150"/>
+              <a:gd name="connsiteY0" fmla="*/ 0 h 6858000"/>
+              <a:gd name="connsiteX1" fmla="*/ 8367379 w 9963150"/>
+              <a:gd name="connsiteY1" fmla="*/ 0 h 6858000"/>
+              <a:gd name="connsiteX2" fmla="*/ 8504080 w 9963150"/>
+              <a:gd name="connsiteY2" fmla="*/ 130333 h 6858000"/>
+              <a:gd name="connsiteX3" fmla="*/ 9963150 w 9963150"/>
+              <a:gd name="connsiteY3" fmla="*/ 3652838 h 6858000"/>
+              <a:gd name="connsiteX4" fmla="*/ 8825600 w 9963150"/>
+              <a:gd name="connsiteY4" fmla="*/ 6821583 h 6858000"/>
+              <a:gd name="connsiteX5" fmla="*/ 8794055 w 9963150"/>
+              <a:gd name="connsiteY5" fmla="*/ 6858000 h 6858000"/>
+              <a:gd name="connsiteX6" fmla="*/ 1169096 w 9963150"/>
+              <a:gd name="connsiteY6" fmla="*/ 6858000 h 6858000"/>
+              <a:gd name="connsiteX7" fmla="*/ 1137550 w 9963150"/>
+              <a:gd name="connsiteY7" fmla="*/ 6821583 h 6858000"/>
+              <a:gd name="connsiteX8" fmla="*/ 0 w 9963150"/>
+              <a:gd name="connsiteY8" fmla="*/ 3652838 h 6858000"/>
+              <a:gd name="connsiteX9" fmla="*/ 1459070 w 9963150"/>
+              <a:gd name="connsiteY9" fmla="*/ 130333 h 6858000"/>
+            </a:gdLst>
+            <a:ahLst/>
+            <a:cxnLst>
+              <a:cxn ang="0">
+                <a:pos x="connsiteX0" y="connsiteY0"/>
+              </a:cxn>
+              <a:cxn ang="0">
+                <a:pos x="connsiteX1" y="connsiteY1"/>
+              </a:cxn>
+              <a:cxn ang="0">
+                <a:pos x="connsiteX2" y="connsiteY2"/>
+              </a:cxn>
+              <a:cxn ang="0">
+                <a:pos x="connsiteX3" y="connsiteY3"/>
+              </a:cxn>
+              <a:cxn ang="0">
+                <a:pos x="connsiteX4" y="connsiteY4"/>
+              </a:cxn>
+              <a:cxn ang="0">
+                <a:pos x="connsiteX5" y="connsiteY5"/>
+              </a:cxn>
+              <a:cxn ang="0">
+                <a:pos x="connsiteX6" y="connsiteY6"/>
+              </a:cxn>
+              <a:cxn ang="0">
+                <a:pos x="connsiteX7" y="connsiteY7"/>
+              </a:cxn>
+              <a:cxn ang="0">
+                <a:pos x="connsiteX8" y="connsiteY8"/>
+              </a:cxn>
+              <a:cxn ang="0">
+                <a:pos x="connsiteX9" y="connsiteY9"/>
+              </a:cxn>
+            </a:cxnLst>
+            <a:rect l="l" t="t" r="r" b="b"/>
+            <a:pathLst>
+              <a:path w="9963150" h="6858000">
+                <a:moveTo>
+                  <a:pt x="1595771" y="0"/>
+                </a:moveTo>
+                <a:lnTo>
+                  <a:pt x="8367379" y="0"/>
+                </a:lnTo>
+                <a:lnTo>
+                  <a:pt x="8504080" y="130333"/>
+                </a:lnTo>
+                <a:cubicBezTo>
+                  <a:pt x="9405568" y="1031820"/>
+                  <a:pt x="9963150" y="2277214"/>
+                  <a:pt x="9963150" y="3652838"/>
+                </a:cubicBezTo>
+                <a:cubicBezTo>
+                  <a:pt x="9963150" y="4856509"/>
+                  <a:pt x="9536251" y="5960473"/>
+                  <a:pt x="8825600" y="6821583"/>
+                </a:cubicBezTo>
+                <a:lnTo>
+                  <a:pt x="8794055" y="6858000"/>
+                </a:lnTo>
+                <a:lnTo>
+                  <a:pt x="1169096" y="6858000"/>
+                </a:lnTo>
+                <a:lnTo>
+                  <a:pt x="1137550" y="6821583"/>
+                </a:lnTo>
+                <a:cubicBezTo>
+                  <a:pt x="426899" y="5960473"/>
+                  <a:pt x="0" y="4856509"/>
+                  <a:pt x="0" y="3652838"/>
+                </a:cubicBezTo>
+                <a:cubicBezTo>
+                  <a:pt x="0" y="2277214"/>
+                  <a:pt x="557582" y="1031820"/>
+                  <a:pt x="1459070" y="130333"/>
+                </a:cubicBezTo>
+                <a:close/>
+              </a:path>
+            </a:pathLst>
+          </a:custGeom>
+          <a:ln w="9525">
+            <a:solidFill>
+              <a:srgbClr val="EFEFEF"/>
+            </a:solidFill>
+          </a:ln>
+          <a:effectLst>
+            <a:outerShdw blurRad="139700" sx="102000" sy="102000" algn="ctr" rotWithShape="0">
+              <a:schemeClr val="bg1">
+                <a:lumMod val="85000"/>
+                <a:alpha val="38000"/>
+              </a:schemeClr>
+            </a:outerShdw>
+          </a:effectLst>
+        </p:spPr>
+        <p:style>
+          <a:lnRef idx="2">
+            <a:schemeClr val="accent1">
+              <a:shade val="50000"/>
+            </a:schemeClr>
+          </a:lnRef>
+          <a:fillRef idx="1">
+            <a:schemeClr val="accent1"/>
+          </a:fillRef>
+          <a:effectRef idx="0">
+            <a:schemeClr val="accent1"/>
+          </a:effectRef>
+          <a:fontRef idx="minor">
+            <a:schemeClr val="lt1"/>
+          </a:fontRef>
+        </p:style>
+        <p:txBody>
+          <a:bodyPr wrap="square" rtlCol="0" anchor="ctr">
+            <a:noAutofit/>
+          </a:bodyPr>
+          <a:lstStyle/>
+          <a:p>
+            <a:pPr marL="0" marR="0" lvl="0" indent="0" algn="ctr" defTabSz="914400" rtl="0" eaLnBrk="1" fontAlgn="auto" latinLnBrk="0" hangingPunct="1">
+              <a:lnSpc>
+                <a:spcPct val="100000"/>
+              </a:lnSpc>
+              <a:spcBef>
+                <a:spcPts val="0"/>
+              </a:spcBef>
+              <a:spcAft>
+                <a:spcPts val="0"/>
+              </a:spcAft>
+              <a:buClrTx/>
+              <a:buSzTx/>
+              <a:buFontTx/>
+              <a:buNone/>
+              <a:tabLst/>
+              <a:defRPr/>
+            </a:pPr>
+            <a:endParaRPr kumimoji="0" lang="en-US" sz="1800" b="0" i="0" u="none" strike="noStrike" kern="1200" cap="none" spc="0" normalizeH="0" baseline="0" noProof="0">
+              <a:ln>
+                <a:noFill/>
+              </a:ln>
+              <a:solidFill>
+                <a:prstClr val="white"/>
+              </a:solidFill>
+              <a:effectLst/>
+              <a:uLnTx/>
+              <a:uFillTx/>
+              <a:latin typeface="Calibri" panose="020F0502020204030204"/>
+              <a:ea typeface="+mn-ea"/>
+              <a:cs typeface="+mn-cs"/>
+            </a:endParaRPr>
+          </a:p>
+        </p:txBody>
+      </p:sp>
+      <p:sp useBgFill="1">
+        <p:nvSpPr>
+          <p:cNvPr id="27" name="Freeform: Shape 26">
+            <a:extLst>
+              <a:ext uri="{FF2B5EF4-FFF2-40B4-BE49-F238E27FC236}">
+                <a16:creationId xmlns:a16="http://schemas.microsoft.com/office/drawing/2014/main" id="{C7F28D52-2A5F-4D23-81AE-7CB8B591C7AF}"/>
+              </a:ext>
+              <a:ext uri="{C183D7F6-B498-43B3-948B-1728B52AA6E4}">
+                <adec:decorative xmlns:adec="http://schemas.microsoft.com/office/drawing/2017/decorative" val="1"/>
+              </a:ext>
+            </a:extLst>
+          </p:cNvPr>
+          <p:cNvSpPr>
+            <a:spLocks noGrp="1" noRot="1" noChangeAspect="1" noMove="1" noResize="1" noEditPoints="1" noAdjustHandles="1" noChangeArrowheads="1" noChangeShapeType="1" noTextEdit="1"/>
+          </p:cNvSpPr>
+          <p:nvPr>
+            <p:extLst>
+              <p:ext uri="{386F3935-93C4-4BCD-93E2-E3B085C9AB24}">
+                <p16:designElem xmlns:p16="http://schemas.microsoft.com/office/powerpoint/2015/main" val="1"/>
+              </p:ext>
+            </p:extLst>
+          </p:nvPr>
+        </p:nvSpPr>
+        <p:spPr>
+          <a:xfrm>
+            <a:off x="1121664" y="0"/>
+            <a:ext cx="9948672" cy="6858000"/>
+          </a:xfrm>
+          <a:custGeom>
+            <a:avLst/>
+            <a:gdLst>
+              <a:gd name="connsiteX0" fmla="*/ 1595771 w 9963150"/>
+              <a:gd name="connsiteY0" fmla="*/ 0 h 6858000"/>
+              <a:gd name="connsiteX1" fmla="*/ 8367379 w 9963150"/>
+              <a:gd name="connsiteY1" fmla="*/ 0 h 6858000"/>
+              <a:gd name="connsiteX2" fmla="*/ 8504080 w 9963150"/>
+              <a:gd name="connsiteY2" fmla="*/ 130333 h 6858000"/>
+              <a:gd name="connsiteX3" fmla="*/ 9963150 w 9963150"/>
+              <a:gd name="connsiteY3" fmla="*/ 3652838 h 6858000"/>
+              <a:gd name="connsiteX4" fmla="*/ 8825600 w 9963150"/>
+              <a:gd name="connsiteY4" fmla="*/ 6821583 h 6858000"/>
+              <a:gd name="connsiteX5" fmla="*/ 8794055 w 9963150"/>
+              <a:gd name="connsiteY5" fmla="*/ 6858000 h 6858000"/>
+              <a:gd name="connsiteX6" fmla="*/ 1169096 w 9963150"/>
+              <a:gd name="connsiteY6" fmla="*/ 6858000 h 6858000"/>
+              <a:gd name="connsiteX7" fmla="*/ 1137550 w 9963150"/>
+              <a:gd name="connsiteY7" fmla="*/ 6821583 h 6858000"/>
+              <a:gd name="connsiteX8" fmla="*/ 0 w 9963150"/>
+              <a:gd name="connsiteY8" fmla="*/ 3652838 h 6858000"/>
+              <a:gd name="connsiteX9" fmla="*/ 1459070 w 9963150"/>
+              <a:gd name="connsiteY9" fmla="*/ 130333 h 6858000"/>
+            </a:gdLst>
+            <a:ahLst/>
+            <a:cxnLst>
+              <a:cxn ang="0">
+                <a:pos x="connsiteX0" y="connsiteY0"/>
+              </a:cxn>
+              <a:cxn ang="0">
+                <a:pos x="connsiteX1" y="connsiteY1"/>
+              </a:cxn>
+              <a:cxn ang="0">
+                <a:pos x="connsiteX2" y="connsiteY2"/>
+              </a:cxn>
+              <a:cxn ang="0">
+                <a:pos x="connsiteX3" y="connsiteY3"/>
+              </a:cxn>
+              <a:cxn ang="0">
+                <a:pos x="connsiteX4" y="connsiteY4"/>
+              </a:cxn>
+              <a:cxn ang="0">
+                <a:pos x="connsiteX5" y="connsiteY5"/>
+              </a:cxn>
+              <a:cxn ang="0">
+                <a:pos x="connsiteX6" y="connsiteY6"/>
+              </a:cxn>
+              <a:cxn ang="0">
+                <a:pos x="connsiteX7" y="connsiteY7"/>
+              </a:cxn>
+              <a:cxn ang="0">
+                <a:pos x="connsiteX8" y="connsiteY8"/>
+              </a:cxn>
+              <a:cxn ang="0">
+                <a:pos x="connsiteX9" y="connsiteY9"/>
+              </a:cxn>
+            </a:cxnLst>
+            <a:rect l="l" t="t" r="r" b="b"/>
+            <a:pathLst>
+              <a:path w="9963150" h="6858000">
+                <a:moveTo>
+                  <a:pt x="1595771" y="0"/>
+                </a:moveTo>
+                <a:lnTo>
+                  <a:pt x="8367379" y="0"/>
+                </a:lnTo>
+                <a:lnTo>
+                  <a:pt x="8504080" y="130333"/>
+                </a:lnTo>
+                <a:cubicBezTo>
+                  <a:pt x="9405568" y="1031820"/>
+                  <a:pt x="9963150" y="2277214"/>
+                  <a:pt x="9963150" y="3652838"/>
+                </a:cubicBezTo>
+                <a:cubicBezTo>
+                  <a:pt x="9963150" y="4856509"/>
+                  <a:pt x="9536251" y="5960473"/>
+                  <a:pt x="8825600" y="6821583"/>
+                </a:cubicBezTo>
+                <a:lnTo>
+                  <a:pt x="8794055" y="6858000"/>
+                </a:lnTo>
+                <a:lnTo>
+                  <a:pt x="1169096" y="6858000"/>
+                </a:lnTo>
+                <a:lnTo>
+                  <a:pt x="1137550" y="6821583"/>
+                </a:lnTo>
+                <a:cubicBezTo>
+                  <a:pt x="426899" y="5960473"/>
+                  <a:pt x="0" y="4856509"/>
+                  <a:pt x="0" y="3652838"/>
+                </a:cubicBezTo>
+                <a:cubicBezTo>
+                  <a:pt x="0" y="2277214"/>
+                  <a:pt x="557582" y="1031820"/>
+                  <a:pt x="1459070" y="130333"/>
+                </a:cubicBezTo>
+                <a:close/>
+              </a:path>
+            </a:pathLst>
+          </a:custGeom>
+          <a:ln w="9525">
+            <a:noFill/>
+          </a:ln>
+          <a:effectLst/>
+        </p:spPr>
+        <p:style>
+          <a:lnRef idx="2">
+            <a:schemeClr val="accent1">
+              <a:shade val="50000"/>
+            </a:schemeClr>
+          </a:lnRef>
+          <a:fillRef idx="1">
+            <a:schemeClr val="accent1"/>
+          </a:fillRef>
+          <a:effectRef idx="0">
+            <a:schemeClr val="accent1"/>
+          </a:effectRef>
+          <a:fontRef idx="minor">
+            <a:schemeClr val="lt1"/>
+          </a:fontRef>
+        </p:style>
+        <p:txBody>
+          <a:bodyPr wrap="square" rtlCol="0" anchor="ctr">
+            <a:noAutofit/>
+          </a:bodyPr>
+          <a:lstStyle/>
+          <a:p>
+            <a:pPr marL="0" marR="0" lvl="0" indent="0" algn="ctr" defTabSz="914400" rtl="0" eaLnBrk="1" fontAlgn="auto" latinLnBrk="0" hangingPunct="1">
+              <a:lnSpc>
+                <a:spcPct val="100000"/>
+              </a:lnSpc>
+              <a:spcBef>
+                <a:spcPts val="0"/>
+              </a:spcBef>
+              <a:spcAft>
+                <a:spcPts val="0"/>
+              </a:spcAft>
+              <a:buClrTx/>
+              <a:buSzTx/>
+              <a:buFontTx/>
+              <a:buNone/>
+              <a:tabLst/>
+              <a:defRPr/>
+            </a:pPr>
+            <a:endParaRPr kumimoji="0" lang="en-US" sz="1800" b="0" i="0" u="none" strike="noStrike" kern="1200" cap="none" spc="0" normalizeH="0" baseline="0" noProof="0">
+              <a:ln>
+                <a:noFill/>
+              </a:ln>
+              <a:solidFill>
+                <a:prstClr val="white"/>
+              </a:solidFill>
+              <a:effectLst/>
+              <a:uLnTx/>
+              <a:uFillTx/>
+              <a:latin typeface="Calibri" panose="020F0502020204030204"/>
+              <a:ea typeface="+mn-ea"/>
+              <a:cs typeface="+mn-cs"/>
+            </a:endParaRPr>
           </a:p>
         </p:txBody>
       </p:sp>
@@ -9757,19 +10132,18 @@
         </p:nvSpPr>
         <p:spPr>
           <a:xfrm>
-            <a:off x="618007" y="548643"/>
-            <a:ext cx="6424690" cy="3635797"/>
+            <a:off x="1524003" y="1999615"/>
+            <a:ext cx="9144000" cy="2764028"/>
           </a:xfrm>
         </p:spPr>
         <p:txBody>
-          <a:bodyPr anchor="t">
+          <a:bodyPr anchor="ctr">
             <a:normAutofit/>
           </a:bodyPr>
           <a:lstStyle/>
           <a:p>
-            <a:pPr algn="l"/>
             <a:r>
-              <a:rPr lang="en-US">
+              <a:rPr lang="en-US" sz="7200">
                 <a:latin typeface="Arial Black" panose="020B0A04020102020204" pitchFamily="34" charset="0"/>
               </a:rPr>
               <a:t>History of Bangladesh</a:t>
@@ -9789,28 +10163,118 @@
         </p:nvSpPr>
         <p:spPr>
           <a:xfrm>
-            <a:off x="618007" y="4453813"/>
-            <a:ext cx="6424690" cy="1461794"/>
+            <a:off x="1966912" y="5645150"/>
+            <a:ext cx="8258176" cy="631825"/>
           </a:xfrm>
         </p:spPr>
         <p:txBody>
-          <a:bodyPr anchor="b">
+          <a:bodyPr anchor="ctr">
             <a:normAutofit/>
           </a:bodyPr>
           <a:lstStyle/>
           <a:p>
-            <a:pPr algn="l"/>
             <a:r>
-              <a:rPr lang="en-US" sz="2000"/>
+              <a:rPr lang="en-US" sz="1500"/>
               <a:t>HST 103</a:t>
             </a:r>
           </a:p>
           <a:p>
-            <a:pPr algn="l"/>
             <a:r>
-              <a:rPr lang="en-US" sz="2000"/>
+              <a:rPr lang="en-US" sz="1500"/>
               <a:t>T. 2 Geography and Environment</a:t>
             </a:r>
+          </a:p>
+        </p:txBody>
+      </p:sp>
+      <p:sp>
+        <p:nvSpPr>
+          <p:cNvPr id="29" name="Rectangle 28">
+            <a:extLst>
+              <a:ext uri="{FF2B5EF4-FFF2-40B4-BE49-F238E27FC236}">
+                <a16:creationId xmlns:a16="http://schemas.microsoft.com/office/drawing/2014/main" id="{3629484E-3792-4B3D-89AD-7C8A1ED0E0D4}"/>
+              </a:ext>
+              <a:ext uri="{C183D7F6-B498-43B3-948B-1728B52AA6E4}">
+                <adec:decorative xmlns:adec="http://schemas.microsoft.com/office/drawing/2017/decorative" val="1"/>
+              </a:ext>
+            </a:extLst>
+          </p:cNvPr>
+          <p:cNvSpPr>
+            <a:spLocks noGrp="1" noRot="1" noChangeAspect="1" noMove="1" noResize="1" noEditPoints="1" noAdjustHandles="1" noChangeArrowheads="1" noChangeShapeType="1" noTextEdit="1"/>
+          </p:cNvSpPr>
+          <p:nvPr>
+            <p:extLst>
+              <p:ext uri="{386F3935-93C4-4BCD-93E2-E3B085C9AB24}">
+                <p16:designElem xmlns:p16="http://schemas.microsoft.com/office/powerpoint/2015/main" val="1"/>
+              </p:ext>
+            </p:extLst>
+          </p:nvPr>
+        </p:nvSpPr>
+        <p:spPr>
+          <a:xfrm>
+            <a:off x="3718560" y="5524786"/>
+            <a:ext cx="4754880" cy="27432"/>
+          </a:xfrm>
+          <a:prstGeom prst="rect">
+            <a:avLst/>
+          </a:prstGeom>
+          <a:solidFill>
+            <a:schemeClr val="accent2"/>
+          </a:solidFill>
+          <a:ln>
+            <a:noFill/>
+          </a:ln>
+        </p:spPr>
+        <p:style>
+          <a:lnRef idx="2">
+            <a:schemeClr val="accent1">
+              <a:shade val="50000"/>
+            </a:schemeClr>
+          </a:lnRef>
+          <a:fillRef idx="1">
+            <a:schemeClr val="accent1"/>
+          </a:fillRef>
+          <a:effectRef idx="0">
+            <a:schemeClr val="accent1"/>
+          </a:effectRef>
+          <a:fontRef idx="minor">
+            <a:schemeClr val="lt1"/>
+          </a:fontRef>
+        </p:style>
+        <p:txBody>
+          <a:bodyPr rtlCol="0" anchor="ctr"/>
+          <a:lstStyle/>
+          <a:p>
+            <a:pPr marL="0" marR="0" lvl="0" indent="0" algn="ctr" defTabSz="914400" rtl="0" eaLnBrk="1" fontAlgn="auto" latinLnBrk="0" hangingPunct="1">
+              <a:lnSpc>
+                <a:spcPct val="100000"/>
+              </a:lnSpc>
+              <a:spcBef>
+                <a:spcPts val="0"/>
+              </a:spcBef>
+              <a:spcAft>
+                <a:spcPts val="0"/>
+              </a:spcAft>
+              <a:buClrTx/>
+              <a:buSzTx/>
+              <a:buFontTx/>
+              <a:buNone/>
+              <a:tabLst/>
+              <a:defRPr/>
+            </a:pPr>
+            <a:endParaRPr kumimoji="0" lang="en-US" sz="1800" b="0" i="0" u="none" strike="noStrike" kern="1200" cap="none" spc="0" normalizeH="0" baseline="0" noProof="0">
+              <a:ln>
+                <a:noFill/>
+              </a:ln>
+              <a:solidFill>
+                <a:prstClr val="white"/>
+              </a:solidFill>
+              <a:effectLst/>
+              <a:uLnTx/>
+              <a:uFillTx/>
+              <a:latin typeface="Calibri" panose="020F0502020204030204"/>
+              <a:ea typeface="+mn-ea"/>
+              <a:cs typeface="+mn-cs"/>
+            </a:endParaRPr>
           </a:p>
         </p:txBody>
       </p:sp>
@@ -10973,12 +11437,12 @@
           <a:chExt cx="0" cy="0"/>
         </a:xfrm>
       </p:grpSpPr>
-      <p:sp>
+      <p:sp useBgFill="1">
         <p:nvSpPr>
-          <p:cNvPr id="8" name="Rectangle 7">
+          <p:cNvPr id="15" name="Rectangle 14">
             <a:extLst>
               <a:ext uri="{FF2B5EF4-FFF2-40B4-BE49-F238E27FC236}">
-                <a16:creationId xmlns:a16="http://schemas.microsoft.com/office/drawing/2014/main" id="{20E7A827-4DD7-8A5A-4519-32BDA5CDBA31}"/>
+                <a16:creationId xmlns:a16="http://schemas.microsoft.com/office/drawing/2014/main" id="{CBB2B1F0-0DD6-4744-9A46-7A344FB48E40}"/>
               </a:ext>
               <a:ext uri="{C183D7F6-B498-43B3-948B-1728B52AA6E4}">
                 <adec:decorative xmlns:adec="http://schemas.microsoft.com/office/drawing/2017/decorative" val="1"/>
@@ -11004,33 +11468,14 @@
           <a:prstGeom prst="rect">
             <a:avLst/>
           </a:prstGeom>
-          <a:solidFill>
-            <a:schemeClr val="bg1"/>
-          </a:solidFill>
-          <a:ln w="12700" cap="flat" cmpd="sng" algn="ctr">
+          <a:ln>
             <a:noFill/>
-            <a:prstDash val="solid"/>
-            <a:miter lim="800000"/>
           </a:ln>
-          <a:effectLst/>
-          <a:extLst>
-            <a:ext uri="{91240B29-F687-4F45-9708-019B960494DF}">
-              <a14:hiddenLine xmlns:a14="http://schemas.microsoft.com/office/drawing/2010/main" w="12700" cap="flat" cmpd="sng" algn="ctr">
-                <a:solidFill>
-                  <a:schemeClr val="accent1">
-                    <a:shade val="15000"/>
-                  </a:schemeClr>
-                </a:solidFill>
-                <a:prstDash val="solid"/>
-                <a:miter lim="800000"/>
-              </a14:hiddenLine>
-            </a:ext>
-          </a:extLst>
         </p:spPr>
         <p:style>
           <a:lnRef idx="2">
             <a:schemeClr val="accent1">
-              <a:shade val="15000"/>
+              <a:shade val="50000"/>
             </a:schemeClr>
           </a:lnRef>
           <a:fillRef idx="1">
@@ -11052,12 +11497,43 @@
           </a:p>
         </p:txBody>
       </p:sp>
-      <p:sp useBgFill="1">
+      <p:sp>
         <p:nvSpPr>
-          <p:cNvPr id="10" name="Rectangle 9">
+          <p:cNvPr id="2" name="Title 1"/>
+          <p:cNvSpPr>
+            <a:spLocks noGrp="1"/>
+          </p:cNvSpPr>
+          <p:nvPr>
+            <p:ph type="title"/>
+          </p:nvPr>
+        </p:nvSpPr>
+        <p:spPr>
+          <a:xfrm>
+            <a:off x="841248" y="426720"/>
+            <a:ext cx="10506456" cy="1919141"/>
+          </a:xfrm>
+        </p:spPr>
+        <p:txBody>
+          <a:bodyPr anchor="b">
+            <a:normAutofit/>
+          </a:bodyPr>
+          <a:lstStyle/>
+          <a:p>
+            <a:r>
+              <a:rPr lang="en-US" sz="5600">
+                <a:latin typeface="Arial Black" panose="020B0A04020102020204" pitchFamily="34" charset="0"/>
+              </a:rPr>
+              <a:t>Impact of Geography and physical Environment </a:t>
+            </a:r>
+          </a:p>
+        </p:txBody>
+      </p:sp>
+      <p:sp>
+        <p:nvSpPr>
+          <p:cNvPr id="17" name="Rectangle 16">
             <a:extLst>
               <a:ext uri="{FF2B5EF4-FFF2-40B4-BE49-F238E27FC236}">
-                <a16:creationId xmlns:a16="http://schemas.microsoft.com/office/drawing/2014/main" id="{1A75348D-3376-10BB-E89D-A72720D88A92}"/>
+                <a16:creationId xmlns:a16="http://schemas.microsoft.com/office/drawing/2014/main" id="{52D502E5-F6B4-4D58-B4AE-FC466FF15EE8}"/>
               </a:ext>
               <a:ext uri="{C183D7F6-B498-43B3-948B-1728B52AA6E4}">
                 <adec:decorative xmlns:adec="http://schemas.microsoft.com/office/drawing/2017/decorative" val="1"/>
@@ -11077,36 +11553,24 @@
         </p:nvSpPr>
         <p:spPr>
           <a:xfrm>
-            <a:off x="0" y="0"/>
-            <a:ext cx="12192000" cy="6858000"/>
+            <a:off x="865953" y="2899927"/>
+            <a:ext cx="10451592" cy="18288"/>
           </a:xfrm>
           <a:prstGeom prst="rect">
             <a:avLst/>
           </a:prstGeom>
-          <a:ln w="12700" cap="flat" cmpd="sng" algn="ctr">
+          <a:solidFill>
+            <a:srgbClr val="D5D5D5"/>
+          </a:solidFill>
+          <a:ln w="3175">
             <a:noFill/>
-            <a:prstDash val="solid"/>
-            <a:miter lim="800000"/>
           </a:ln>
           <a:effectLst/>
-          <a:extLst>
-            <a:ext uri="{91240B29-F687-4F45-9708-019B960494DF}">
-              <a14:hiddenLine xmlns:a14="http://schemas.microsoft.com/office/drawing/2010/main" w="12700" cap="flat" cmpd="sng" algn="ctr">
-                <a:solidFill>
-                  <a:schemeClr val="accent1">
-                    <a:shade val="15000"/>
-                  </a:schemeClr>
-                </a:solidFill>
-                <a:prstDash val="solid"/>
-                <a:miter lim="800000"/>
-              </a14:hiddenLine>
-            </a:ext>
-          </a:extLst>
         </p:spPr>
         <p:style>
           <a:lnRef idx="2">
             <a:schemeClr val="accent1">
-              <a:shade val="15000"/>
+              <a:shade val="50000"/>
             </a:schemeClr>
           </a:lnRef>
           <a:fillRef idx="1">
@@ -11124,38 +11588,80 @@
           <a:lstStyle/>
           <a:p>
             <a:pPr algn="ctr"/>
-            <a:endParaRPr lang="en-US"/>
+            <a:endParaRPr lang="en-US">
+              <a:solidFill>
+                <a:prstClr val="white"/>
+              </a:solidFill>
+              <a:latin typeface="Calibri" panose="020F0502020204030204"/>
+            </a:endParaRPr>
           </a:p>
         </p:txBody>
       </p:sp>
       <p:sp>
         <p:nvSpPr>
-          <p:cNvPr id="2" name="Title 1"/>
+          <p:cNvPr id="19" name="Rectangle 18">
+            <a:extLst>
+              <a:ext uri="{FF2B5EF4-FFF2-40B4-BE49-F238E27FC236}">
+                <a16:creationId xmlns:a16="http://schemas.microsoft.com/office/drawing/2014/main" id="{9DECDBF4-02B6-4BB4-B65B-B8107AD6A9E8}"/>
+              </a:ext>
+              <a:ext uri="{C183D7F6-B498-43B3-948B-1728B52AA6E4}">
+                <adec:decorative xmlns:adec="http://schemas.microsoft.com/office/drawing/2017/decorative" val="1"/>
+              </a:ext>
+            </a:extLst>
+          </p:cNvPr>
           <p:cNvSpPr>
-            <a:spLocks noGrp="1"/>
+            <a:spLocks noGrp="1" noRot="1" noChangeAspect="1" noMove="1" noResize="1" noEditPoints="1" noAdjustHandles="1" noChangeArrowheads="1" noChangeShapeType="1" noTextEdit="1"/>
           </p:cNvSpPr>
           <p:nvPr>
-            <p:ph type="title"/>
+            <p:extLst>
+              <p:ext uri="{386F3935-93C4-4BCD-93E2-E3B085C9AB24}">
+                <p16:designElem xmlns:p16="http://schemas.microsoft.com/office/powerpoint/2015/main" val="1"/>
+              </p:ext>
+            </p:extLst>
           </p:nvPr>
         </p:nvSpPr>
         <p:spPr>
-          <a:xfrm>
-            <a:off x="614678" y="548640"/>
-            <a:ext cx="7098627" cy="1325236"/>
+          <a:xfrm flipV="1">
+            <a:off x="841248" y="2776031"/>
+            <a:ext cx="1873457" cy="137160"/>
           </a:xfrm>
+          <a:prstGeom prst="rect">
+            <a:avLst/>
+          </a:prstGeom>
+          <a:solidFill>
+            <a:schemeClr val="accent2"/>
+          </a:solidFill>
+          <a:ln>
+            <a:noFill/>
+          </a:ln>
         </p:spPr>
+        <p:style>
+          <a:lnRef idx="2">
+            <a:schemeClr val="accent1">
+              <a:shade val="50000"/>
+            </a:schemeClr>
+          </a:lnRef>
+          <a:fillRef idx="1">
+            <a:schemeClr val="accent1"/>
+          </a:fillRef>
+          <a:effectRef idx="0">
+            <a:schemeClr val="accent1"/>
+          </a:effectRef>
+          <a:fontRef idx="minor">
+            <a:schemeClr val="lt1"/>
+          </a:fontRef>
+        </p:style>
         <p:txBody>
-          <a:bodyPr anchor="t">
-            <a:normAutofit/>
-          </a:bodyPr>
+          <a:bodyPr rtlCol="0" anchor="ctr"/>
           <a:lstStyle/>
           <a:p>
-            <a:r>
-              <a:rPr lang="en-US" sz="3700">
-                <a:latin typeface="Arial Black" panose="020B0A04020102020204" pitchFamily="34" charset="0"/>
-              </a:rPr>
-              <a:t>Impact of Geography and physical Environment </a:t>
-            </a:r>
+            <a:pPr algn="ctr"/>
+            <a:endParaRPr lang="en-US">
+              <a:solidFill>
+                <a:prstClr val="white"/>
+              </a:solidFill>
+              <a:latin typeface="Calibri" panose="020F0502020204030204"/>
+            </a:endParaRPr>
           </a:p>
         </p:txBody>
       </p:sp>
@@ -11171,36 +11677,36 @@
         </p:nvSpPr>
         <p:spPr>
           <a:xfrm>
-            <a:off x="2432424" y="1899631"/>
-            <a:ext cx="7333128" cy="4011769"/>
+            <a:off x="841248" y="3337269"/>
+            <a:ext cx="10509504" cy="2905686"/>
           </a:xfrm>
         </p:spPr>
         <p:txBody>
-          <a:bodyPr anchor="ctr">
+          <a:bodyPr>
             <a:normAutofit/>
           </a:bodyPr>
           <a:lstStyle/>
           <a:p>
             <a:r>
-              <a:rPr lang="en-US" sz="1800"/>
+              <a:rPr lang="en-US" sz="2200"/>
               <a:t>Great influence of Geographical location and physical living conditions on society, culture and all aspects of life of the people </a:t>
             </a:r>
           </a:p>
           <a:p>
             <a:r>
-              <a:rPr lang="en-US" sz="1800"/>
+              <a:rPr lang="en-US" sz="2200"/>
               <a:t>People living in a cold, dry country and those living in a warm, humid climate have different ways of life</a:t>
             </a:r>
           </a:p>
           <a:p>
             <a:r>
-              <a:rPr lang="en-US" sz="1800"/>
+              <a:rPr lang="en-US" sz="2200"/>
               <a:t>Even the amount of humidity in air, type of food consumed by the people dictate their lifestyle, socio-cultural norms etc</a:t>
             </a:r>
           </a:p>
           <a:p>
             <a:r>
-              <a:rPr lang="en-US" sz="1800"/>
+              <a:rPr lang="en-US" sz="2200"/>
               <a:t>Since history is created by human thoughts and actions, their living conditions need to be carefully explored </a:t>
             </a:r>
           </a:p>
